--- a/개인_과제_발표/1Q_KPI.pptx
+++ b/개인_과제_발표/1Q_KPI.pptx
@@ -5,13 +5,14 @@
     <p:sldMasterId id="2147483648" r:id="rId1"/>
   </p:sldMasterIdLst>
   <p:notesMasterIdLst>
-    <p:notesMasterId r:id="rId6"/>
+    <p:notesMasterId r:id="rId7"/>
   </p:notesMasterIdLst>
   <p:sldIdLst>
     <p:sldId id="256" r:id="rId2"/>
     <p:sldId id="258" r:id="rId3"/>
     <p:sldId id="257" r:id="rId4"/>
     <p:sldId id="259" r:id="rId5"/>
+    <p:sldId id="260" r:id="rId6"/>
   </p:sldIdLst>
   <p:sldSz cx="12192000" cy="6858000"/>
   <p:notesSz cx="6858000" cy="9144000"/>
@@ -110,6 +111,11 @@
       </a:defRPr>
     </a:lvl9pPr>
   </p:defaultTextStyle>
+  <p:extLst>
+    <p:ext uri="{EFAFB233-063F-42B5-8137-9DF3F51BA10A}">
+      <p15:sldGuideLst xmlns:p15="http://schemas.microsoft.com/office/powerpoint/2012/main"/>
+    </p:ext>
+  </p:extLst>
 </p:presentation>
 </file>
 
@@ -2166,6 +2172,637 @@
     <p:extLst>
       <p:ext uri="{BB962C8B-B14F-4D97-AF65-F5344CB8AC3E}">
         <p14:creationId xmlns:p14="http://schemas.microsoft.com/office/powerpoint/2010/main" val="40344611"/>
+      </p:ext>
+    </p:extLst>
+  </p:cSld>
+  <p:clrMapOvr>
+    <a:masterClrMapping/>
+  </p:clrMapOvr>
+</p:notes>
+</file>
+
+<file path=ppt/notesSlides/notesSlide5.xml><?xml version="1.0" encoding="utf-8"?>
+<p:notes xmlns:a="http://schemas.openxmlformats.org/drawingml/2006/main" xmlns:r="http://schemas.openxmlformats.org/officeDocument/2006/relationships" xmlns:p="http://schemas.openxmlformats.org/presentationml/2006/main">
+  <p:cSld>
+    <p:spTree>
+      <p:nvGrpSpPr>
+        <p:cNvPr id="1" name=""/>
+        <p:cNvGrpSpPr/>
+        <p:nvPr/>
+      </p:nvGrpSpPr>
+      <p:grpSpPr>
+        <a:xfrm>
+          <a:off x="0" y="0"/>
+          <a:ext cx="0" cy="0"/>
+          <a:chOff x="0" y="0"/>
+          <a:chExt cx="0" cy="0"/>
+        </a:xfrm>
+      </p:grpSpPr>
+      <p:sp>
+        <p:nvSpPr>
+          <p:cNvPr id="2" name="Slide Image Placeholder 1"/>
+          <p:cNvSpPr>
+            <a:spLocks noGrp="1" noRot="1" noChangeAspect="1"/>
+          </p:cNvSpPr>
+          <p:nvPr>
+            <p:ph type="sldImg"/>
+          </p:nvPr>
+        </p:nvSpPr>
+        <p:spPr/>
+      </p:sp>
+      <p:sp>
+        <p:nvSpPr>
+          <p:cNvPr id="3" name="Notes Placeholder 2"/>
+          <p:cNvSpPr>
+            <a:spLocks noGrp="1"/>
+          </p:cNvSpPr>
+          <p:nvPr>
+            <p:ph type="body" idx="1"/>
+          </p:nvPr>
+        </p:nvSpPr>
+        <p:spPr/>
+        <p:txBody>
+          <a:bodyPr/>
+          <a:lstStyle/>
+          <a:p>
+            <a:pPr algn="l"/>
+            <a:r>
+              <a:rPr lang="ko-KR" altLang="en-US" b="0" i="0" dirty="0">
+                <a:solidFill>
+                  <a:srgbClr val="555555"/>
+                </a:solidFill>
+                <a:effectLst/>
+                <a:latin typeface="돋움" panose="020B0600000101010101" pitchFamily="50" charset="-127"/>
+                <a:ea typeface="돋움" panose="020B0600000101010101" pitchFamily="50" charset="-127"/>
+              </a:rPr>
+              <a:t>첫째</a:t>
+            </a:r>
+            <a:r>
+              <a:rPr lang="en-US" altLang="ko-KR" b="0" i="0" dirty="0">
+                <a:solidFill>
+                  <a:srgbClr val="555555"/>
+                </a:solidFill>
+                <a:effectLst/>
+                <a:latin typeface="돋움" panose="020B0600000101010101" pitchFamily="50" charset="-127"/>
+                <a:ea typeface="돋움" panose="020B0600000101010101" pitchFamily="50" charset="-127"/>
+              </a:rPr>
+              <a:t>, </a:t>
+            </a:r>
+            <a:r>
+              <a:rPr lang="ko-KR" altLang="en-US" b="0" i="0" dirty="0">
+                <a:solidFill>
+                  <a:srgbClr val="555555"/>
+                </a:solidFill>
+                <a:effectLst/>
+                <a:latin typeface="돋움" panose="020B0600000101010101" pitchFamily="50" charset="-127"/>
+                <a:ea typeface="돋움" panose="020B0600000101010101" pitchFamily="50" charset="-127"/>
+              </a:rPr>
+              <a:t>당신의 고객은 누구입니까</a:t>
+            </a:r>
+            <a:r>
+              <a:rPr lang="en-US" altLang="ko-KR" b="0" i="0" dirty="0">
+                <a:solidFill>
+                  <a:srgbClr val="555555"/>
+                </a:solidFill>
+                <a:effectLst/>
+                <a:latin typeface="돋움" panose="020B0600000101010101" pitchFamily="50" charset="-127"/>
+                <a:ea typeface="돋움" panose="020B0600000101010101" pitchFamily="50" charset="-127"/>
+              </a:rPr>
+              <a:t>?</a:t>
+            </a:r>
+          </a:p>
+          <a:p>
+            <a:pPr algn="l"/>
+            <a:r>
+              <a:rPr lang="ko-KR" altLang="en-US" b="0" i="0" dirty="0">
+                <a:solidFill>
+                  <a:srgbClr val="555555"/>
+                </a:solidFill>
+                <a:effectLst/>
+                <a:latin typeface="돋움" panose="020B0600000101010101" pitchFamily="50" charset="-127"/>
+                <a:ea typeface="돋움" panose="020B0600000101010101" pitchFamily="50" charset="-127"/>
+              </a:rPr>
+              <a:t>둘째</a:t>
+            </a:r>
+            <a:r>
+              <a:rPr lang="en-US" altLang="ko-KR" b="0" i="0" dirty="0">
+                <a:solidFill>
+                  <a:srgbClr val="555555"/>
+                </a:solidFill>
+                <a:effectLst/>
+                <a:latin typeface="돋움" panose="020B0600000101010101" pitchFamily="50" charset="-127"/>
+                <a:ea typeface="돋움" panose="020B0600000101010101" pitchFamily="50" charset="-127"/>
+              </a:rPr>
+              <a:t>, </a:t>
+            </a:r>
+            <a:r>
+              <a:rPr lang="ko-KR" altLang="en-US" b="0" i="0" dirty="0">
+                <a:solidFill>
+                  <a:srgbClr val="555555"/>
+                </a:solidFill>
+                <a:effectLst/>
+                <a:latin typeface="돋움" panose="020B0600000101010101" pitchFamily="50" charset="-127"/>
+                <a:ea typeface="돋움" panose="020B0600000101010101" pitchFamily="50" charset="-127"/>
+              </a:rPr>
+              <a:t>당신의 고객은 무슨 지표로 당신의 역량을 평가하겠습니까</a:t>
+            </a:r>
+            <a:r>
+              <a:rPr lang="en-US" altLang="ko-KR" b="0" i="0" dirty="0">
+                <a:solidFill>
+                  <a:srgbClr val="555555"/>
+                </a:solidFill>
+                <a:effectLst/>
+                <a:latin typeface="돋움" panose="020B0600000101010101" pitchFamily="50" charset="-127"/>
+                <a:ea typeface="돋움" panose="020B0600000101010101" pitchFamily="50" charset="-127"/>
+              </a:rPr>
+              <a:t>?</a:t>
+            </a:r>
+          </a:p>
+          <a:p>
+            <a:pPr algn="l"/>
+            <a:r>
+              <a:rPr lang="ko-KR" altLang="en-US" b="0" i="0" dirty="0">
+                <a:solidFill>
+                  <a:srgbClr val="555555"/>
+                </a:solidFill>
+                <a:effectLst/>
+                <a:latin typeface="돋움" panose="020B0600000101010101" pitchFamily="50" charset="-127"/>
+                <a:ea typeface="돋움" panose="020B0600000101010101" pitchFamily="50" charset="-127"/>
+              </a:rPr>
+              <a:t>세째</a:t>
+            </a:r>
+            <a:r>
+              <a:rPr lang="en-US" altLang="ko-KR" b="0" i="0" dirty="0">
+                <a:solidFill>
+                  <a:srgbClr val="555555"/>
+                </a:solidFill>
+                <a:effectLst/>
+                <a:latin typeface="돋움" panose="020B0600000101010101" pitchFamily="50" charset="-127"/>
+                <a:ea typeface="돋움" panose="020B0600000101010101" pitchFamily="50" charset="-127"/>
+              </a:rPr>
+              <a:t>, </a:t>
+            </a:r>
+            <a:r>
+              <a:rPr lang="ko-KR" altLang="en-US" b="0" i="0" dirty="0">
+                <a:solidFill>
+                  <a:srgbClr val="555555"/>
+                </a:solidFill>
+                <a:effectLst/>
+                <a:latin typeface="돋움" panose="020B0600000101010101" pitchFamily="50" charset="-127"/>
+                <a:ea typeface="돋움" panose="020B0600000101010101" pitchFamily="50" charset="-127"/>
+              </a:rPr>
+              <a:t>당신의 역량을 향상하기 위하여 어떤 스킬을 증진시켜야 합니까</a:t>
+            </a:r>
+            <a:r>
+              <a:rPr lang="en-US" altLang="ko-KR" b="0" i="0" dirty="0">
+                <a:solidFill>
+                  <a:srgbClr val="555555"/>
+                </a:solidFill>
+                <a:effectLst/>
+                <a:latin typeface="돋움" panose="020B0600000101010101" pitchFamily="50" charset="-127"/>
+                <a:ea typeface="돋움" panose="020B0600000101010101" pitchFamily="50" charset="-127"/>
+              </a:rPr>
+              <a:t>?</a:t>
+            </a:r>
+          </a:p>
+          <a:p>
+            <a:endParaRPr lang="en-US" altLang="ko-KR" dirty="0"/>
+          </a:p>
+          <a:p>
+            <a:br>
+              <a:rPr lang="ko-KR" altLang="en-US" dirty="0"/>
+            </a:br>
+            <a:r>
+              <a:rPr lang="ko-KR" altLang="en-US" dirty="0">
+                <a:solidFill>
+                  <a:srgbClr val="555555"/>
+                </a:solidFill>
+                <a:effectLst/>
+                <a:latin typeface="돋움" panose="020B0600000101010101" pitchFamily="50" charset="-127"/>
+                <a:ea typeface="돋움" panose="020B0600000101010101" pitchFamily="50" charset="-127"/>
+              </a:rPr>
+              <a:t>       팀장들에게 지적했던 내용을 참고로 첨부한다</a:t>
+            </a:r>
+            <a:r>
+              <a:rPr lang="en-US" altLang="ko-KR" dirty="0">
+                <a:solidFill>
+                  <a:srgbClr val="555555"/>
+                </a:solidFill>
+                <a:effectLst/>
+                <a:latin typeface="돋움" panose="020B0600000101010101" pitchFamily="50" charset="-127"/>
+                <a:ea typeface="돋움" panose="020B0600000101010101" pitchFamily="50" charset="-127"/>
+              </a:rPr>
+              <a:t>.</a:t>
+            </a:r>
+          </a:p>
+          <a:p>
+            <a:br>
+              <a:rPr lang="en-US" altLang="ko-KR" dirty="0">
+                <a:solidFill>
+                  <a:srgbClr val="555555"/>
+                </a:solidFill>
+                <a:effectLst/>
+                <a:latin typeface="돋움" panose="020B0600000101010101" pitchFamily="50" charset="-127"/>
+                <a:ea typeface="돋움" panose="020B0600000101010101" pitchFamily="50" charset="-127"/>
+              </a:rPr>
+            </a:br>
+            <a:endParaRPr lang="en-US" altLang="ko-KR" dirty="0">
+              <a:solidFill>
+                <a:srgbClr val="555555"/>
+              </a:solidFill>
+              <a:effectLst/>
+              <a:latin typeface="돋움" panose="020B0600000101010101" pitchFamily="50" charset="-127"/>
+              <a:ea typeface="돋움" panose="020B0600000101010101" pitchFamily="50" charset="-127"/>
+            </a:endParaRPr>
+          </a:p>
+          <a:p>
+            <a:r>
+              <a:rPr lang="en-US" altLang="ko-KR" dirty="0">
+                <a:solidFill>
+                  <a:srgbClr val="555555"/>
+                </a:solidFill>
+                <a:effectLst/>
+                <a:latin typeface="돋움" panose="020B0600000101010101" pitchFamily="50" charset="-127"/>
+                <a:ea typeface="돋움" panose="020B0600000101010101" pitchFamily="50" charset="-127"/>
+              </a:rPr>
+              <a:t>       - </a:t>
+            </a:r>
+            <a:r>
+              <a:rPr lang="ko-KR" altLang="en-US" dirty="0">
+                <a:solidFill>
+                  <a:srgbClr val="555555"/>
+                </a:solidFill>
+                <a:effectLst/>
+                <a:latin typeface="돋움" panose="020B0600000101010101" pitchFamily="50" charset="-127"/>
+                <a:ea typeface="돋움" panose="020B0600000101010101" pitchFamily="50" charset="-127"/>
+              </a:rPr>
+              <a:t>항목에 따라 측정이 다소 모호한 항목들이 있습니다</a:t>
+            </a:r>
+            <a:r>
+              <a:rPr lang="en-US" altLang="ko-KR" dirty="0">
+                <a:solidFill>
+                  <a:srgbClr val="555555"/>
+                </a:solidFill>
+                <a:effectLst/>
+                <a:latin typeface="돋움" panose="020B0600000101010101" pitchFamily="50" charset="-127"/>
+                <a:ea typeface="돋움" panose="020B0600000101010101" pitchFamily="50" charset="-127"/>
+              </a:rPr>
+              <a:t>.  </a:t>
+            </a:r>
+            <a:r>
+              <a:rPr lang="ko-KR" altLang="en-US" dirty="0">
+                <a:solidFill>
+                  <a:srgbClr val="555555"/>
+                </a:solidFill>
+                <a:effectLst/>
+                <a:latin typeface="돋움" panose="020B0600000101010101" pitchFamily="50" charset="-127"/>
+                <a:ea typeface="돋움" panose="020B0600000101010101" pitchFamily="50" charset="-127"/>
+              </a:rPr>
+              <a:t>지표는 크게 </a:t>
+            </a:r>
+            <a:r>
+              <a:rPr lang="en-US" altLang="ko-KR" dirty="0">
+                <a:solidFill>
+                  <a:srgbClr val="555555"/>
+                </a:solidFill>
+                <a:effectLst/>
+                <a:latin typeface="돋움" panose="020B0600000101010101" pitchFamily="50" charset="-127"/>
+                <a:ea typeface="돋움" panose="020B0600000101010101" pitchFamily="50" charset="-127"/>
+              </a:rPr>
+              <a:t>2</a:t>
+            </a:r>
+            <a:r>
+              <a:rPr lang="ko-KR" altLang="en-US" dirty="0">
+                <a:solidFill>
+                  <a:srgbClr val="555555"/>
+                </a:solidFill>
+                <a:effectLst/>
+                <a:latin typeface="돋움" panose="020B0600000101010101" pitchFamily="50" charset="-127"/>
+                <a:ea typeface="돋움" panose="020B0600000101010101" pitchFamily="50" charset="-127"/>
+              </a:rPr>
+              <a:t>가지 입니다</a:t>
+            </a:r>
+            <a:r>
+              <a:rPr lang="en-US" altLang="ko-KR" dirty="0">
+                <a:solidFill>
+                  <a:srgbClr val="555555"/>
+                </a:solidFill>
+                <a:effectLst/>
+                <a:latin typeface="돋움" panose="020B0600000101010101" pitchFamily="50" charset="-127"/>
+                <a:ea typeface="돋움" panose="020B0600000101010101" pitchFamily="50" charset="-127"/>
+              </a:rPr>
+              <a:t>. 1) Yes/No  2) Scale(1~100</a:t>
+            </a:r>
+            <a:r>
+              <a:rPr lang="ko-KR" altLang="en-US" dirty="0">
+                <a:solidFill>
+                  <a:srgbClr val="555555"/>
+                </a:solidFill>
+                <a:effectLst/>
+                <a:latin typeface="돋움" panose="020B0600000101010101" pitchFamily="50" charset="-127"/>
+                <a:ea typeface="돋움" panose="020B0600000101010101" pitchFamily="50" charset="-127"/>
+              </a:rPr>
+              <a:t>점</a:t>
+            </a:r>
+            <a:r>
+              <a:rPr lang="en-US" altLang="ko-KR" dirty="0">
+                <a:solidFill>
+                  <a:srgbClr val="555555"/>
+                </a:solidFill>
+                <a:effectLst/>
+                <a:latin typeface="돋움" panose="020B0600000101010101" pitchFamily="50" charset="-127"/>
+                <a:ea typeface="돋움" panose="020B0600000101010101" pitchFamily="50" charset="-127"/>
+              </a:rPr>
+              <a:t>) </a:t>
+            </a:r>
+            <a:r>
+              <a:rPr lang="ko-KR" altLang="en-US" dirty="0">
+                <a:solidFill>
+                  <a:srgbClr val="555555"/>
+                </a:solidFill>
+                <a:effectLst/>
+                <a:latin typeface="돋움" panose="020B0600000101010101" pitchFamily="50" charset="-127"/>
+                <a:ea typeface="돋움" panose="020B0600000101010101" pitchFamily="50" charset="-127"/>
+              </a:rPr>
+              <a:t>가능항목</a:t>
+            </a:r>
+            <a:r>
+              <a:rPr lang="en-US" altLang="ko-KR" dirty="0">
+                <a:solidFill>
+                  <a:srgbClr val="555555"/>
+                </a:solidFill>
+                <a:effectLst/>
+                <a:latin typeface="돋움" panose="020B0600000101010101" pitchFamily="50" charset="-127"/>
+                <a:ea typeface="돋움" panose="020B0600000101010101" pitchFamily="50" charset="-127"/>
+              </a:rPr>
+              <a:t>. </a:t>
+            </a:r>
+          </a:p>
+          <a:p>
+            <a:r>
+              <a:rPr lang="en-US" altLang="ko-KR" dirty="0">
+                <a:solidFill>
+                  <a:srgbClr val="555555"/>
+                </a:solidFill>
+                <a:effectLst/>
+                <a:latin typeface="돋움" panose="020B0600000101010101" pitchFamily="50" charset="-127"/>
+                <a:ea typeface="돋움" panose="020B0600000101010101" pitchFamily="50" charset="-127"/>
+              </a:rPr>
+              <a:t>       - </a:t>
+            </a:r>
+            <a:r>
+              <a:rPr lang="ko-KR" altLang="en-US" dirty="0">
+                <a:solidFill>
+                  <a:srgbClr val="555555"/>
+                </a:solidFill>
+                <a:effectLst/>
+                <a:latin typeface="돋움" panose="020B0600000101010101" pitchFamily="50" charset="-127"/>
+                <a:ea typeface="돋움" panose="020B0600000101010101" pitchFamily="50" charset="-127"/>
+              </a:rPr>
+              <a:t>그러므로</a:t>
+            </a:r>
+            <a:r>
+              <a:rPr lang="en-US" altLang="ko-KR" dirty="0">
+                <a:solidFill>
+                  <a:srgbClr val="555555"/>
+                </a:solidFill>
+                <a:effectLst/>
+                <a:latin typeface="돋움" panose="020B0600000101010101" pitchFamily="50" charset="-127"/>
+                <a:ea typeface="돋움" panose="020B0600000101010101" pitchFamily="50" charset="-127"/>
+              </a:rPr>
+              <a:t>, </a:t>
+            </a:r>
+            <a:r>
+              <a:rPr lang="ko-KR" altLang="en-US" dirty="0" err="1">
+                <a:solidFill>
+                  <a:srgbClr val="555555"/>
+                </a:solidFill>
+                <a:effectLst/>
+                <a:latin typeface="돋움" panose="020B0600000101010101" pitchFamily="50" charset="-127"/>
+                <a:ea typeface="돋움" panose="020B0600000101010101" pitchFamily="50" charset="-127"/>
+              </a:rPr>
+              <a:t>당해년도의</a:t>
+            </a:r>
+            <a:r>
+              <a:rPr lang="ko-KR" altLang="en-US" dirty="0">
+                <a:solidFill>
+                  <a:srgbClr val="555555"/>
+                </a:solidFill>
+                <a:effectLst/>
+                <a:latin typeface="돋움" panose="020B0600000101010101" pitchFamily="50" charset="-127"/>
+                <a:ea typeface="돋움" panose="020B0600000101010101" pitchFamily="50" charset="-127"/>
+              </a:rPr>
+              <a:t> 성과 지표가 들어가 있어야 하고</a:t>
+            </a:r>
+            <a:r>
+              <a:rPr lang="en-US" altLang="ko-KR" dirty="0">
+                <a:solidFill>
+                  <a:srgbClr val="555555"/>
+                </a:solidFill>
+                <a:effectLst/>
+                <a:latin typeface="돋움" panose="020B0600000101010101" pitchFamily="50" charset="-127"/>
+                <a:ea typeface="돋움" panose="020B0600000101010101" pitchFamily="50" charset="-127"/>
+              </a:rPr>
+              <a:t>, </a:t>
+            </a:r>
+            <a:r>
+              <a:rPr lang="ko-KR" altLang="en-US" dirty="0">
+                <a:solidFill>
+                  <a:srgbClr val="555555"/>
+                </a:solidFill>
+                <a:effectLst/>
+                <a:latin typeface="돋움" panose="020B0600000101010101" pitchFamily="50" charset="-127"/>
+                <a:ea typeface="돋움" panose="020B0600000101010101" pitchFamily="50" charset="-127"/>
+              </a:rPr>
+              <a:t>측정</a:t>
+            </a:r>
+            <a:r>
+              <a:rPr lang="en-US" altLang="ko-KR" dirty="0">
+                <a:solidFill>
+                  <a:srgbClr val="555555"/>
+                </a:solidFill>
+                <a:effectLst/>
+                <a:latin typeface="돋움" panose="020B0600000101010101" pitchFamily="50" charset="-127"/>
+                <a:ea typeface="돋움" panose="020B0600000101010101" pitchFamily="50" charset="-127"/>
+              </a:rPr>
+              <a:t>(Measurable)</a:t>
+            </a:r>
+            <a:r>
+              <a:rPr lang="ko-KR" altLang="en-US" dirty="0">
+                <a:solidFill>
+                  <a:srgbClr val="555555"/>
+                </a:solidFill>
+                <a:effectLst/>
+                <a:latin typeface="돋움" panose="020B0600000101010101" pitchFamily="50" charset="-127"/>
+                <a:ea typeface="돋움" panose="020B0600000101010101" pitchFamily="50" charset="-127"/>
+              </a:rPr>
+              <a:t>가능해야 합니다</a:t>
+            </a:r>
+            <a:r>
+              <a:rPr lang="en-US" altLang="ko-KR" dirty="0">
+                <a:solidFill>
+                  <a:srgbClr val="555555"/>
+                </a:solidFill>
+                <a:effectLst/>
+                <a:latin typeface="돋움" panose="020B0600000101010101" pitchFamily="50" charset="-127"/>
+                <a:ea typeface="돋움" panose="020B0600000101010101" pitchFamily="50" charset="-127"/>
+              </a:rPr>
+              <a:t>.</a:t>
+            </a:r>
+          </a:p>
+          <a:p>
+            <a:r>
+              <a:rPr lang="ko-KR" altLang="en-US" sz="1800" dirty="0">
+                <a:solidFill>
+                  <a:srgbClr val="555555"/>
+                </a:solidFill>
+                <a:effectLst/>
+                <a:latin typeface="돋움" panose="020B0600000101010101" pitchFamily="50" charset="-127"/>
+                <a:ea typeface="돋움" panose="020B0600000101010101" pitchFamily="50" charset="-127"/>
+              </a:rPr>
+              <a:t>       </a:t>
+            </a:r>
+            <a:r>
+              <a:rPr lang="en-US" altLang="ko-KR" sz="1800" dirty="0">
+                <a:solidFill>
+                  <a:srgbClr val="555555"/>
+                </a:solidFill>
+                <a:effectLst/>
+                <a:latin typeface="돋움" panose="020B0600000101010101" pitchFamily="50" charset="-127"/>
+                <a:ea typeface="돋움" panose="020B0600000101010101" pitchFamily="50" charset="-127"/>
+              </a:rPr>
+              <a:t>- </a:t>
+            </a:r>
+            <a:r>
+              <a:rPr lang="ko-KR" altLang="en-US" sz="1800" dirty="0">
+                <a:solidFill>
+                  <a:srgbClr val="555555"/>
+                </a:solidFill>
+                <a:effectLst/>
+                <a:latin typeface="돋움" panose="020B0600000101010101" pitchFamily="50" charset="-127"/>
+                <a:ea typeface="돋움" panose="020B0600000101010101" pitchFamily="50" charset="-127"/>
+              </a:rPr>
+              <a:t>만약 성과지표 설정이 너무 어렵다면</a:t>
+            </a:r>
+            <a:r>
+              <a:rPr lang="en-US" altLang="ko-KR" sz="1800" dirty="0">
+                <a:solidFill>
+                  <a:srgbClr val="555555"/>
+                </a:solidFill>
+                <a:effectLst/>
+                <a:latin typeface="돋움" panose="020B0600000101010101" pitchFamily="50" charset="-127"/>
+                <a:ea typeface="돋움" panose="020B0600000101010101" pitchFamily="50" charset="-127"/>
+              </a:rPr>
+              <a:t>, "</a:t>
+            </a:r>
+            <a:r>
+              <a:rPr lang="ko-KR" altLang="en-US" sz="1800" dirty="0">
+                <a:solidFill>
+                  <a:srgbClr val="555555"/>
+                </a:solidFill>
+                <a:effectLst/>
+                <a:latin typeface="돋움" panose="020B0600000101010101" pitchFamily="50" charset="-127"/>
+                <a:ea typeface="돋움" panose="020B0600000101010101" pitchFamily="50" charset="-127"/>
+              </a:rPr>
+              <a:t>기준 성과 지표를 만들기 위한 </a:t>
+            </a:r>
+            <a:r>
+              <a:rPr lang="ko-KR" altLang="en-US" sz="1800" dirty="0" err="1">
+                <a:solidFill>
+                  <a:srgbClr val="555555"/>
+                </a:solidFill>
+                <a:effectLst/>
+                <a:latin typeface="돋움" panose="020B0600000101010101" pitchFamily="50" charset="-127"/>
+                <a:ea typeface="돋움" panose="020B0600000101010101" pitchFamily="50" charset="-127"/>
+              </a:rPr>
+              <a:t>데이타</a:t>
+            </a:r>
+            <a:r>
+              <a:rPr lang="ko-KR" altLang="en-US" sz="1800" dirty="0">
+                <a:solidFill>
+                  <a:srgbClr val="555555"/>
+                </a:solidFill>
+                <a:effectLst/>
+                <a:latin typeface="돋움" panose="020B0600000101010101" pitchFamily="50" charset="-127"/>
+                <a:ea typeface="돋움" panose="020B0600000101010101" pitchFamily="50" charset="-127"/>
+              </a:rPr>
+              <a:t> 수집활동</a:t>
+            </a:r>
+            <a:r>
+              <a:rPr lang="en-US" altLang="ko-KR" sz="1800" dirty="0">
+                <a:solidFill>
+                  <a:srgbClr val="555555"/>
+                </a:solidFill>
+                <a:effectLst/>
+                <a:latin typeface="돋움" panose="020B0600000101010101" pitchFamily="50" charset="-127"/>
+                <a:ea typeface="돋움" panose="020B0600000101010101" pitchFamily="50" charset="-127"/>
+              </a:rPr>
+              <a:t>"</a:t>
+            </a:r>
+            <a:r>
+              <a:rPr lang="ko-KR" altLang="en-US" sz="1800" dirty="0">
+                <a:solidFill>
+                  <a:srgbClr val="555555"/>
+                </a:solidFill>
+                <a:effectLst/>
+                <a:latin typeface="돋움" panose="020B0600000101010101" pitchFamily="50" charset="-127"/>
+                <a:ea typeface="돋움" panose="020B0600000101010101" pitchFamily="50" charset="-127"/>
+              </a:rPr>
+              <a:t>이라도 들어가 있어야 합니다</a:t>
+            </a:r>
+            <a:r>
+              <a:rPr lang="en-US" altLang="ko-KR" sz="1800" dirty="0">
+                <a:solidFill>
+                  <a:srgbClr val="555555"/>
+                </a:solidFill>
+                <a:effectLst/>
+                <a:latin typeface="돋움" panose="020B0600000101010101" pitchFamily="50" charset="-127"/>
+                <a:ea typeface="돋움" panose="020B0600000101010101" pitchFamily="50" charset="-127"/>
+              </a:rPr>
+              <a:t>.</a:t>
+            </a:r>
+            <a:r>
+              <a:rPr lang="ko-KR" altLang="en-US" dirty="0">
+                <a:solidFill>
+                  <a:srgbClr val="555555"/>
+                </a:solidFill>
+                <a:effectLst/>
+                <a:latin typeface="돋움" panose="020B0600000101010101" pitchFamily="50" charset="-127"/>
+                <a:ea typeface="돋움" panose="020B0600000101010101" pitchFamily="50" charset="-127"/>
+              </a:rPr>
+              <a:t> </a:t>
+            </a:r>
+            <a:endParaRPr lang="ko-KR" altLang="en-US" dirty="0"/>
+          </a:p>
+        </p:txBody>
+      </p:sp>
+      <p:sp>
+        <p:nvSpPr>
+          <p:cNvPr id="4" name="Slide Number Placeholder 3"/>
+          <p:cNvSpPr>
+            <a:spLocks noGrp="1"/>
+          </p:cNvSpPr>
+          <p:nvPr>
+            <p:ph type="sldNum" sz="quarter" idx="5"/>
+          </p:nvPr>
+        </p:nvSpPr>
+        <p:spPr/>
+        <p:txBody>
+          <a:bodyPr/>
+          <a:lstStyle/>
+          <a:p>
+            <a:fld id="{562F994D-CBBD-4F99-90CD-91A12D3BE3F3}" type="slidenum">
+              <a:rPr lang="ko-KR" altLang="en-US" smtClean="0"/>
+              <a:t>5</a:t>
+            </a:fld>
+            <a:endParaRPr lang="ko-KR" altLang="en-US"/>
+          </a:p>
+        </p:txBody>
+      </p:sp>
+    </p:spTree>
+    <p:extLst>
+      <p:ext uri="{BB962C8B-B14F-4D97-AF65-F5344CB8AC3E}">
+        <p14:creationId xmlns:p14="http://schemas.microsoft.com/office/powerpoint/2010/main" val="1576940298"/>
       </p:ext>
     </p:extLst>
   </p:cSld>
@@ -6558,6 +7195,615 @@
 </p:sld>
 </file>
 
+<file path=ppt/slides/slide5.xml><?xml version="1.0" encoding="utf-8"?>
+<p:sld xmlns:a="http://schemas.openxmlformats.org/drawingml/2006/main" xmlns:r="http://schemas.openxmlformats.org/officeDocument/2006/relationships" xmlns:p="http://schemas.openxmlformats.org/presentationml/2006/main">
+  <p:cSld>
+    <p:spTree>
+      <p:nvGrpSpPr>
+        <p:cNvPr id="1" name=""/>
+        <p:cNvGrpSpPr/>
+        <p:nvPr/>
+      </p:nvGrpSpPr>
+      <p:grpSpPr>
+        <a:xfrm>
+          <a:off x="0" y="0"/>
+          <a:ext cx="0" cy="0"/>
+          <a:chOff x="0" y="0"/>
+          <a:chExt cx="0" cy="0"/>
+        </a:xfrm>
+      </p:grpSpPr>
+      <p:sp>
+        <p:nvSpPr>
+          <p:cNvPr id="5" name="TextBox 4">
+            <a:extLst>
+              <a:ext uri="{FF2B5EF4-FFF2-40B4-BE49-F238E27FC236}">
+                <a16:creationId xmlns:a16="http://schemas.microsoft.com/office/drawing/2014/main" id="{78D873A2-0D6A-4A22-B2FD-8C05396383CA}"/>
+              </a:ext>
+            </a:extLst>
+          </p:cNvPr>
+          <p:cNvSpPr txBox="1"/>
+          <p:nvPr/>
+        </p:nvSpPr>
+        <p:spPr>
+          <a:xfrm>
+            <a:off x="371846" y="1153886"/>
+            <a:ext cx="11820154" cy="4001095"/>
+          </a:xfrm>
+          <a:prstGeom prst="rect">
+            <a:avLst/>
+          </a:prstGeom>
+          <a:noFill/>
+        </p:spPr>
+        <p:txBody>
+          <a:bodyPr wrap="square">
+            <a:spAutoFit/>
+          </a:bodyPr>
+          <a:lstStyle/>
+          <a:p>
+            <a:pPr algn="l"/>
+            <a:r>
+              <a:rPr lang="ko-KR" altLang="en-US" b="0" i="0" dirty="0">
+                <a:solidFill>
+                  <a:srgbClr val="555555"/>
+                </a:solidFill>
+                <a:effectLst/>
+                <a:latin typeface="돋움" panose="020B0600000101010101" pitchFamily="50" charset="-127"/>
+                <a:ea typeface="돋움" panose="020B0600000101010101" pitchFamily="50" charset="-127"/>
+              </a:rPr>
+              <a:t>첫째</a:t>
+            </a:r>
+            <a:r>
+              <a:rPr lang="en-US" altLang="ko-KR" b="0" i="0" dirty="0">
+                <a:solidFill>
+                  <a:srgbClr val="555555"/>
+                </a:solidFill>
+                <a:effectLst/>
+                <a:latin typeface="돋움" panose="020B0600000101010101" pitchFamily="50" charset="-127"/>
+                <a:ea typeface="돋움" panose="020B0600000101010101" pitchFamily="50" charset="-127"/>
+              </a:rPr>
+              <a:t>, </a:t>
+            </a:r>
+            <a:r>
+              <a:rPr lang="ko-KR" altLang="en-US" b="0" i="0" dirty="0">
+                <a:solidFill>
+                  <a:srgbClr val="555555"/>
+                </a:solidFill>
+                <a:effectLst/>
+                <a:latin typeface="돋움" panose="020B0600000101010101" pitchFamily="50" charset="-127"/>
+                <a:ea typeface="돋움" panose="020B0600000101010101" pitchFamily="50" charset="-127"/>
+              </a:rPr>
+              <a:t>당신의 고객은 누구입니까</a:t>
+            </a:r>
+            <a:r>
+              <a:rPr lang="en-US" altLang="ko-KR" b="0" i="0" dirty="0">
+                <a:solidFill>
+                  <a:srgbClr val="555555"/>
+                </a:solidFill>
+                <a:effectLst/>
+                <a:latin typeface="돋움" panose="020B0600000101010101" pitchFamily="50" charset="-127"/>
+                <a:ea typeface="돋움" panose="020B0600000101010101" pitchFamily="50" charset="-127"/>
+              </a:rPr>
+              <a:t>?</a:t>
+            </a:r>
+          </a:p>
+          <a:p>
+            <a:pPr algn="l"/>
+            <a:r>
+              <a:rPr lang="ko-KR" altLang="en-US" b="0" i="0" dirty="0">
+                <a:solidFill>
+                  <a:srgbClr val="555555"/>
+                </a:solidFill>
+                <a:effectLst/>
+                <a:latin typeface="돋움" panose="020B0600000101010101" pitchFamily="50" charset="-127"/>
+                <a:ea typeface="돋움" panose="020B0600000101010101" pitchFamily="50" charset="-127"/>
+              </a:rPr>
+              <a:t>둘째</a:t>
+            </a:r>
+            <a:r>
+              <a:rPr lang="en-US" altLang="ko-KR" b="0" i="0" dirty="0">
+                <a:solidFill>
+                  <a:srgbClr val="555555"/>
+                </a:solidFill>
+                <a:effectLst/>
+                <a:latin typeface="돋움" panose="020B0600000101010101" pitchFamily="50" charset="-127"/>
+                <a:ea typeface="돋움" panose="020B0600000101010101" pitchFamily="50" charset="-127"/>
+              </a:rPr>
+              <a:t>, </a:t>
+            </a:r>
+            <a:r>
+              <a:rPr lang="ko-KR" altLang="en-US" b="0" i="0" dirty="0">
+                <a:solidFill>
+                  <a:srgbClr val="555555"/>
+                </a:solidFill>
+                <a:effectLst/>
+                <a:latin typeface="돋움" panose="020B0600000101010101" pitchFamily="50" charset="-127"/>
+                <a:ea typeface="돋움" panose="020B0600000101010101" pitchFamily="50" charset="-127"/>
+              </a:rPr>
+              <a:t>당신의 고객은 무슨 지표로 당신의 역량을 평가하겠습니까</a:t>
+            </a:r>
+            <a:r>
+              <a:rPr lang="en-US" altLang="ko-KR" b="0" i="0" dirty="0">
+                <a:solidFill>
+                  <a:srgbClr val="555555"/>
+                </a:solidFill>
+                <a:effectLst/>
+                <a:latin typeface="돋움" panose="020B0600000101010101" pitchFamily="50" charset="-127"/>
+                <a:ea typeface="돋움" panose="020B0600000101010101" pitchFamily="50" charset="-127"/>
+              </a:rPr>
+              <a:t>?</a:t>
+            </a:r>
+          </a:p>
+          <a:p>
+            <a:pPr algn="l"/>
+            <a:r>
+              <a:rPr lang="ko-KR" altLang="en-US" b="0" i="0" dirty="0">
+                <a:solidFill>
+                  <a:srgbClr val="555555"/>
+                </a:solidFill>
+                <a:effectLst/>
+                <a:latin typeface="돋움" panose="020B0600000101010101" pitchFamily="50" charset="-127"/>
+                <a:ea typeface="돋움" panose="020B0600000101010101" pitchFamily="50" charset="-127"/>
+              </a:rPr>
+              <a:t>세째</a:t>
+            </a:r>
+            <a:r>
+              <a:rPr lang="en-US" altLang="ko-KR" b="0" i="0" dirty="0">
+                <a:solidFill>
+                  <a:srgbClr val="555555"/>
+                </a:solidFill>
+                <a:effectLst/>
+                <a:latin typeface="돋움" panose="020B0600000101010101" pitchFamily="50" charset="-127"/>
+                <a:ea typeface="돋움" panose="020B0600000101010101" pitchFamily="50" charset="-127"/>
+              </a:rPr>
+              <a:t>, </a:t>
+            </a:r>
+            <a:r>
+              <a:rPr lang="ko-KR" altLang="en-US" b="0" i="0" dirty="0">
+                <a:solidFill>
+                  <a:srgbClr val="555555"/>
+                </a:solidFill>
+                <a:effectLst/>
+                <a:latin typeface="돋움" panose="020B0600000101010101" pitchFamily="50" charset="-127"/>
+                <a:ea typeface="돋움" panose="020B0600000101010101" pitchFamily="50" charset="-127"/>
+              </a:rPr>
+              <a:t>당신의 역량을 향상하기 위하여 어떤 스킬을 증진시켜야 합니까</a:t>
+            </a:r>
+            <a:r>
+              <a:rPr lang="en-US" altLang="ko-KR" b="0" i="0" dirty="0">
+                <a:solidFill>
+                  <a:srgbClr val="555555"/>
+                </a:solidFill>
+                <a:effectLst/>
+                <a:latin typeface="돋움" panose="020B0600000101010101" pitchFamily="50" charset="-127"/>
+                <a:ea typeface="돋움" panose="020B0600000101010101" pitchFamily="50" charset="-127"/>
+              </a:rPr>
+              <a:t>?</a:t>
+            </a:r>
+          </a:p>
+          <a:p>
+            <a:endParaRPr lang="en-US" altLang="ko-KR" dirty="0"/>
+          </a:p>
+          <a:p>
+            <a:br>
+              <a:rPr lang="ko-KR" altLang="en-US" dirty="0"/>
+            </a:br>
+            <a:r>
+              <a:rPr lang="ko-KR" altLang="en-US" dirty="0">
+                <a:solidFill>
+                  <a:srgbClr val="555555"/>
+                </a:solidFill>
+                <a:effectLst/>
+                <a:latin typeface="돋움" panose="020B0600000101010101" pitchFamily="50" charset="-127"/>
+                <a:ea typeface="돋움" panose="020B0600000101010101" pitchFamily="50" charset="-127"/>
+              </a:rPr>
+              <a:t>       팀장들에게 지적했던 내용을 참고로 첨부한다</a:t>
+            </a:r>
+            <a:r>
+              <a:rPr lang="en-US" altLang="ko-KR" dirty="0">
+                <a:solidFill>
+                  <a:srgbClr val="555555"/>
+                </a:solidFill>
+                <a:effectLst/>
+                <a:latin typeface="돋움" panose="020B0600000101010101" pitchFamily="50" charset="-127"/>
+                <a:ea typeface="돋움" panose="020B0600000101010101" pitchFamily="50" charset="-127"/>
+              </a:rPr>
+              <a:t>.</a:t>
+            </a:r>
+          </a:p>
+          <a:p>
+            <a:br>
+              <a:rPr lang="en-US" altLang="ko-KR" dirty="0">
+                <a:solidFill>
+                  <a:srgbClr val="555555"/>
+                </a:solidFill>
+                <a:effectLst/>
+                <a:latin typeface="돋움" panose="020B0600000101010101" pitchFamily="50" charset="-127"/>
+                <a:ea typeface="돋움" panose="020B0600000101010101" pitchFamily="50" charset="-127"/>
+              </a:rPr>
+            </a:br>
+            <a:endParaRPr lang="en-US" altLang="ko-KR" dirty="0">
+              <a:solidFill>
+                <a:srgbClr val="555555"/>
+              </a:solidFill>
+              <a:effectLst/>
+              <a:latin typeface="돋움" panose="020B0600000101010101" pitchFamily="50" charset="-127"/>
+              <a:ea typeface="돋움" panose="020B0600000101010101" pitchFamily="50" charset="-127"/>
+            </a:endParaRPr>
+          </a:p>
+          <a:p>
+            <a:r>
+              <a:rPr lang="en-US" altLang="ko-KR" dirty="0">
+                <a:solidFill>
+                  <a:srgbClr val="555555"/>
+                </a:solidFill>
+                <a:effectLst/>
+                <a:latin typeface="돋움" panose="020B0600000101010101" pitchFamily="50" charset="-127"/>
+                <a:ea typeface="돋움" panose="020B0600000101010101" pitchFamily="50" charset="-127"/>
+              </a:rPr>
+              <a:t>       - </a:t>
+            </a:r>
+            <a:r>
+              <a:rPr lang="ko-KR" altLang="en-US" dirty="0">
+                <a:solidFill>
+                  <a:srgbClr val="555555"/>
+                </a:solidFill>
+                <a:effectLst/>
+                <a:latin typeface="돋움" panose="020B0600000101010101" pitchFamily="50" charset="-127"/>
+                <a:ea typeface="돋움" panose="020B0600000101010101" pitchFamily="50" charset="-127"/>
+              </a:rPr>
+              <a:t>항목에 따라 측정이 다소 모호한 항목들이 있습니다</a:t>
+            </a:r>
+            <a:r>
+              <a:rPr lang="en-US" altLang="ko-KR" dirty="0">
+                <a:solidFill>
+                  <a:srgbClr val="555555"/>
+                </a:solidFill>
+                <a:effectLst/>
+                <a:latin typeface="돋움" panose="020B0600000101010101" pitchFamily="50" charset="-127"/>
+                <a:ea typeface="돋움" panose="020B0600000101010101" pitchFamily="50" charset="-127"/>
+              </a:rPr>
+              <a:t>.  </a:t>
+            </a:r>
+            <a:r>
+              <a:rPr lang="ko-KR" altLang="en-US" dirty="0">
+                <a:solidFill>
+                  <a:srgbClr val="555555"/>
+                </a:solidFill>
+                <a:effectLst/>
+                <a:latin typeface="돋움" panose="020B0600000101010101" pitchFamily="50" charset="-127"/>
+                <a:ea typeface="돋움" panose="020B0600000101010101" pitchFamily="50" charset="-127"/>
+              </a:rPr>
+              <a:t>지표는 크게 </a:t>
+            </a:r>
+            <a:r>
+              <a:rPr lang="en-US" altLang="ko-KR" dirty="0">
+                <a:solidFill>
+                  <a:srgbClr val="555555"/>
+                </a:solidFill>
+                <a:effectLst/>
+                <a:latin typeface="돋움" panose="020B0600000101010101" pitchFamily="50" charset="-127"/>
+                <a:ea typeface="돋움" panose="020B0600000101010101" pitchFamily="50" charset="-127"/>
+              </a:rPr>
+              <a:t>2</a:t>
+            </a:r>
+            <a:r>
+              <a:rPr lang="ko-KR" altLang="en-US" dirty="0">
+                <a:solidFill>
+                  <a:srgbClr val="555555"/>
+                </a:solidFill>
+                <a:effectLst/>
+                <a:latin typeface="돋움" panose="020B0600000101010101" pitchFamily="50" charset="-127"/>
+                <a:ea typeface="돋움" panose="020B0600000101010101" pitchFamily="50" charset="-127"/>
+              </a:rPr>
+              <a:t>가지 입니다</a:t>
+            </a:r>
+            <a:r>
+              <a:rPr lang="en-US" altLang="ko-KR" dirty="0">
+                <a:solidFill>
+                  <a:srgbClr val="555555"/>
+                </a:solidFill>
+                <a:effectLst/>
+                <a:latin typeface="돋움" panose="020B0600000101010101" pitchFamily="50" charset="-127"/>
+                <a:ea typeface="돋움" panose="020B0600000101010101" pitchFamily="50" charset="-127"/>
+              </a:rPr>
+              <a:t>. 1) Yes/No  2) Scale(1~100</a:t>
+            </a:r>
+            <a:r>
+              <a:rPr lang="ko-KR" altLang="en-US" dirty="0">
+                <a:solidFill>
+                  <a:srgbClr val="555555"/>
+                </a:solidFill>
+                <a:effectLst/>
+                <a:latin typeface="돋움" panose="020B0600000101010101" pitchFamily="50" charset="-127"/>
+                <a:ea typeface="돋움" panose="020B0600000101010101" pitchFamily="50" charset="-127"/>
+              </a:rPr>
+              <a:t>점</a:t>
+            </a:r>
+            <a:r>
+              <a:rPr lang="en-US" altLang="ko-KR" dirty="0">
+                <a:solidFill>
+                  <a:srgbClr val="555555"/>
+                </a:solidFill>
+                <a:effectLst/>
+                <a:latin typeface="돋움" panose="020B0600000101010101" pitchFamily="50" charset="-127"/>
+                <a:ea typeface="돋움" panose="020B0600000101010101" pitchFamily="50" charset="-127"/>
+              </a:rPr>
+              <a:t>) </a:t>
+            </a:r>
+            <a:r>
+              <a:rPr lang="ko-KR" altLang="en-US" dirty="0">
+                <a:solidFill>
+                  <a:srgbClr val="555555"/>
+                </a:solidFill>
+                <a:effectLst/>
+                <a:latin typeface="돋움" panose="020B0600000101010101" pitchFamily="50" charset="-127"/>
+                <a:ea typeface="돋움" panose="020B0600000101010101" pitchFamily="50" charset="-127"/>
+              </a:rPr>
+              <a:t>가능항목</a:t>
+            </a:r>
+            <a:r>
+              <a:rPr lang="en-US" altLang="ko-KR" dirty="0">
+                <a:solidFill>
+                  <a:srgbClr val="555555"/>
+                </a:solidFill>
+                <a:effectLst/>
+                <a:latin typeface="돋움" panose="020B0600000101010101" pitchFamily="50" charset="-127"/>
+                <a:ea typeface="돋움" panose="020B0600000101010101" pitchFamily="50" charset="-127"/>
+              </a:rPr>
+              <a:t>. </a:t>
+            </a:r>
+          </a:p>
+          <a:p>
+            <a:r>
+              <a:rPr lang="en-US" altLang="ko-KR" dirty="0">
+                <a:solidFill>
+                  <a:srgbClr val="555555"/>
+                </a:solidFill>
+                <a:effectLst/>
+                <a:latin typeface="돋움" panose="020B0600000101010101" pitchFamily="50" charset="-127"/>
+                <a:ea typeface="돋움" panose="020B0600000101010101" pitchFamily="50" charset="-127"/>
+              </a:rPr>
+              <a:t>       - </a:t>
+            </a:r>
+            <a:r>
+              <a:rPr lang="ko-KR" altLang="en-US" dirty="0">
+                <a:solidFill>
+                  <a:srgbClr val="555555"/>
+                </a:solidFill>
+                <a:effectLst/>
+                <a:latin typeface="돋움" panose="020B0600000101010101" pitchFamily="50" charset="-127"/>
+                <a:ea typeface="돋움" panose="020B0600000101010101" pitchFamily="50" charset="-127"/>
+              </a:rPr>
+              <a:t>그러므로</a:t>
+            </a:r>
+            <a:r>
+              <a:rPr lang="en-US" altLang="ko-KR" dirty="0">
+                <a:solidFill>
+                  <a:srgbClr val="555555"/>
+                </a:solidFill>
+                <a:effectLst/>
+                <a:latin typeface="돋움" panose="020B0600000101010101" pitchFamily="50" charset="-127"/>
+                <a:ea typeface="돋움" panose="020B0600000101010101" pitchFamily="50" charset="-127"/>
+              </a:rPr>
+              <a:t>, </a:t>
+            </a:r>
+            <a:r>
+              <a:rPr lang="ko-KR" altLang="en-US" dirty="0" err="1">
+                <a:solidFill>
+                  <a:srgbClr val="555555"/>
+                </a:solidFill>
+                <a:effectLst/>
+                <a:latin typeface="돋움" panose="020B0600000101010101" pitchFamily="50" charset="-127"/>
+                <a:ea typeface="돋움" panose="020B0600000101010101" pitchFamily="50" charset="-127"/>
+              </a:rPr>
+              <a:t>당해년도의</a:t>
+            </a:r>
+            <a:r>
+              <a:rPr lang="ko-KR" altLang="en-US" dirty="0">
+                <a:solidFill>
+                  <a:srgbClr val="555555"/>
+                </a:solidFill>
+                <a:effectLst/>
+                <a:latin typeface="돋움" panose="020B0600000101010101" pitchFamily="50" charset="-127"/>
+                <a:ea typeface="돋움" panose="020B0600000101010101" pitchFamily="50" charset="-127"/>
+              </a:rPr>
+              <a:t> 성과 지표가 들어가 있어야 하고</a:t>
+            </a:r>
+            <a:r>
+              <a:rPr lang="en-US" altLang="ko-KR" dirty="0">
+                <a:solidFill>
+                  <a:srgbClr val="555555"/>
+                </a:solidFill>
+                <a:effectLst/>
+                <a:latin typeface="돋움" panose="020B0600000101010101" pitchFamily="50" charset="-127"/>
+                <a:ea typeface="돋움" panose="020B0600000101010101" pitchFamily="50" charset="-127"/>
+              </a:rPr>
+              <a:t>, </a:t>
+            </a:r>
+            <a:r>
+              <a:rPr lang="ko-KR" altLang="en-US" dirty="0">
+                <a:solidFill>
+                  <a:srgbClr val="555555"/>
+                </a:solidFill>
+                <a:effectLst/>
+                <a:latin typeface="돋움" panose="020B0600000101010101" pitchFamily="50" charset="-127"/>
+                <a:ea typeface="돋움" panose="020B0600000101010101" pitchFamily="50" charset="-127"/>
+              </a:rPr>
+              <a:t>측정</a:t>
+            </a:r>
+            <a:r>
+              <a:rPr lang="en-US" altLang="ko-KR" dirty="0">
+                <a:solidFill>
+                  <a:srgbClr val="555555"/>
+                </a:solidFill>
+                <a:effectLst/>
+                <a:latin typeface="돋움" panose="020B0600000101010101" pitchFamily="50" charset="-127"/>
+                <a:ea typeface="돋움" panose="020B0600000101010101" pitchFamily="50" charset="-127"/>
+              </a:rPr>
+              <a:t>(Measurable)</a:t>
+            </a:r>
+            <a:r>
+              <a:rPr lang="ko-KR" altLang="en-US" dirty="0">
+                <a:solidFill>
+                  <a:srgbClr val="555555"/>
+                </a:solidFill>
+                <a:effectLst/>
+                <a:latin typeface="돋움" panose="020B0600000101010101" pitchFamily="50" charset="-127"/>
+                <a:ea typeface="돋움" panose="020B0600000101010101" pitchFamily="50" charset="-127"/>
+              </a:rPr>
+              <a:t>가능해야 합니다</a:t>
+            </a:r>
+            <a:r>
+              <a:rPr lang="en-US" altLang="ko-KR" dirty="0">
+                <a:solidFill>
+                  <a:srgbClr val="555555"/>
+                </a:solidFill>
+                <a:effectLst/>
+                <a:latin typeface="돋움" panose="020B0600000101010101" pitchFamily="50" charset="-127"/>
+                <a:ea typeface="돋움" panose="020B0600000101010101" pitchFamily="50" charset="-127"/>
+              </a:rPr>
+              <a:t>.</a:t>
+            </a:r>
+          </a:p>
+          <a:p>
+            <a:r>
+              <a:rPr lang="ko-KR" altLang="en-US" sz="2800" dirty="0">
+                <a:solidFill>
+                  <a:srgbClr val="555555"/>
+                </a:solidFill>
+                <a:effectLst/>
+                <a:latin typeface="돋움" panose="020B0600000101010101" pitchFamily="50" charset="-127"/>
+                <a:ea typeface="돋움" panose="020B0600000101010101" pitchFamily="50" charset="-127"/>
+              </a:rPr>
+              <a:t>       </a:t>
+            </a:r>
+            <a:r>
+              <a:rPr lang="en-US" altLang="ko-KR" sz="2800" dirty="0">
+                <a:solidFill>
+                  <a:srgbClr val="555555"/>
+                </a:solidFill>
+                <a:effectLst/>
+                <a:latin typeface="돋움" panose="020B0600000101010101" pitchFamily="50" charset="-127"/>
+                <a:ea typeface="돋움" panose="020B0600000101010101" pitchFamily="50" charset="-127"/>
+              </a:rPr>
+              <a:t>- </a:t>
+            </a:r>
+            <a:r>
+              <a:rPr lang="ko-KR" altLang="en-US" sz="2800" dirty="0">
+                <a:solidFill>
+                  <a:srgbClr val="555555"/>
+                </a:solidFill>
+                <a:effectLst/>
+                <a:latin typeface="돋움" panose="020B0600000101010101" pitchFamily="50" charset="-127"/>
+                <a:ea typeface="돋움" panose="020B0600000101010101" pitchFamily="50" charset="-127"/>
+              </a:rPr>
+              <a:t>만약 성과지표 설정이 너무 어렵다면</a:t>
+            </a:r>
+            <a:r>
+              <a:rPr lang="en-US" altLang="ko-KR" sz="2800" dirty="0">
+                <a:solidFill>
+                  <a:srgbClr val="555555"/>
+                </a:solidFill>
+                <a:effectLst/>
+                <a:latin typeface="돋움" panose="020B0600000101010101" pitchFamily="50" charset="-127"/>
+                <a:ea typeface="돋움" panose="020B0600000101010101" pitchFamily="50" charset="-127"/>
+              </a:rPr>
+              <a:t>, "</a:t>
+            </a:r>
+            <a:r>
+              <a:rPr lang="ko-KR" altLang="en-US" sz="2800" dirty="0">
+                <a:solidFill>
+                  <a:srgbClr val="555555"/>
+                </a:solidFill>
+                <a:effectLst/>
+                <a:latin typeface="돋움" panose="020B0600000101010101" pitchFamily="50" charset="-127"/>
+                <a:ea typeface="돋움" panose="020B0600000101010101" pitchFamily="50" charset="-127"/>
+              </a:rPr>
+              <a:t>기준 성과 지표를 만들기 위한 </a:t>
+            </a:r>
+            <a:r>
+              <a:rPr lang="ko-KR" altLang="en-US" sz="2800" dirty="0" err="1">
+                <a:solidFill>
+                  <a:srgbClr val="555555"/>
+                </a:solidFill>
+                <a:effectLst/>
+                <a:latin typeface="돋움" panose="020B0600000101010101" pitchFamily="50" charset="-127"/>
+                <a:ea typeface="돋움" panose="020B0600000101010101" pitchFamily="50" charset="-127"/>
+              </a:rPr>
+              <a:t>데이타</a:t>
+            </a:r>
+            <a:r>
+              <a:rPr lang="ko-KR" altLang="en-US" sz="2800" dirty="0">
+                <a:solidFill>
+                  <a:srgbClr val="555555"/>
+                </a:solidFill>
+                <a:effectLst/>
+                <a:latin typeface="돋움" panose="020B0600000101010101" pitchFamily="50" charset="-127"/>
+                <a:ea typeface="돋움" panose="020B0600000101010101" pitchFamily="50" charset="-127"/>
+              </a:rPr>
+              <a:t> 수집활동</a:t>
+            </a:r>
+            <a:r>
+              <a:rPr lang="en-US" altLang="ko-KR" sz="2800" dirty="0">
+                <a:solidFill>
+                  <a:srgbClr val="555555"/>
+                </a:solidFill>
+                <a:effectLst/>
+                <a:latin typeface="돋움" panose="020B0600000101010101" pitchFamily="50" charset="-127"/>
+                <a:ea typeface="돋움" panose="020B0600000101010101" pitchFamily="50" charset="-127"/>
+              </a:rPr>
+              <a:t>"</a:t>
+            </a:r>
+            <a:r>
+              <a:rPr lang="ko-KR" altLang="en-US" sz="2800" dirty="0">
+                <a:solidFill>
+                  <a:srgbClr val="555555"/>
+                </a:solidFill>
+                <a:effectLst/>
+                <a:latin typeface="돋움" panose="020B0600000101010101" pitchFamily="50" charset="-127"/>
+                <a:ea typeface="돋움" panose="020B0600000101010101" pitchFamily="50" charset="-127"/>
+              </a:rPr>
+              <a:t>이라도 들어가 있어야 합니다</a:t>
+            </a:r>
+            <a:r>
+              <a:rPr lang="en-US" altLang="ko-KR" sz="2800" dirty="0">
+                <a:solidFill>
+                  <a:srgbClr val="555555"/>
+                </a:solidFill>
+                <a:effectLst/>
+                <a:latin typeface="돋움" panose="020B0600000101010101" pitchFamily="50" charset="-127"/>
+                <a:ea typeface="돋움" panose="020B0600000101010101" pitchFamily="50" charset="-127"/>
+              </a:rPr>
+              <a:t>.</a:t>
+            </a:r>
+            <a:r>
+              <a:rPr lang="ko-KR" altLang="en-US" dirty="0">
+                <a:solidFill>
+                  <a:srgbClr val="555555"/>
+                </a:solidFill>
+                <a:effectLst/>
+                <a:latin typeface="돋움" panose="020B0600000101010101" pitchFamily="50" charset="-127"/>
+                <a:ea typeface="돋움" panose="020B0600000101010101" pitchFamily="50" charset="-127"/>
+              </a:rPr>
+              <a:t> </a:t>
+            </a:r>
+            <a:endParaRPr lang="ko-KR" altLang="en-US" dirty="0"/>
+          </a:p>
+        </p:txBody>
+      </p:sp>
+    </p:spTree>
+    <p:extLst>
+      <p:ext uri="{BB962C8B-B14F-4D97-AF65-F5344CB8AC3E}">
+        <p14:creationId xmlns:p14="http://schemas.microsoft.com/office/powerpoint/2010/main" val="3174124971"/>
+      </p:ext>
+    </p:extLst>
+  </p:cSld>
+  <p:clrMapOvr>
+    <a:masterClrMapping/>
+  </p:clrMapOvr>
+</p:sld>
+</file>
+
 <file path=ppt/theme/theme1.xml><?xml version="1.0" encoding="utf-8"?>
 <a:theme xmlns:a="http://schemas.openxmlformats.org/drawingml/2006/main" name="Office Theme">
   <a:themeElements>
